--- a/Presentations/Dashboard/TimeTrendsPresentation1_8Oct_Group1.pptx
+++ b/Presentations/Dashboard/TimeTrendsPresentation1_8Oct_Group1.pptx
@@ -287,10 +287,25 @@
   <pc:docChgLst>
     <pc:chgData name="Julia Schaffner" userId="c086f559aed709e8" providerId="LiveId" clId="{9331376A-EE0E-48FA-86CB-8857D09D50F8}"/>
     <pc:docChg chg="custSel modSld">
-      <pc:chgData name="Julia Schaffner" userId="c086f559aed709e8" providerId="LiveId" clId="{9331376A-EE0E-48FA-86CB-8857D09D50F8}" dt="2025-10-09T03:32:11.685" v="12" actId="1076"/>
+      <pc:chgData name="Julia Schaffner" userId="c086f559aed709e8" providerId="LiveId" clId="{9331376A-EE0E-48FA-86CB-8857D09D50F8}" dt="2025-10-09T15:18:51.035" v="13" actId="1076"/>
       <pc:docMkLst>
         <pc:docMk/>
       </pc:docMkLst>
+      <pc:sldChg chg="modSp mod">
+        <pc:chgData name="Julia Schaffner" userId="c086f559aed709e8" providerId="LiveId" clId="{9331376A-EE0E-48FA-86CB-8857D09D50F8}" dt="2025-10-09T15:18:51.035" v="13" actId="1076"/>
+        <pc:sldMkLst>
+          <pc:docMk/>
+          <pc:sldMk cId="0" sldId="260"/>
+        </pc:sldMkLst>
+        <pc:spChg chg="mod">
+          <ac:chgData name="Julia Schaffner" userId="c086f559aed709e8" providerId="LiveId" clId="{9331376A-EE0E-48FA-86CB-8857D09D50F8}" dt="2025-10-09T15:18:51.035" v="13" actId="1076"/>
+          <ac:spMkLst>
+            <pc:docMk/>
+            <pc:sldMk cId="0" sldId="260"/>
+            <ac:spMk id="133" creationId="{00000000-0000-0000-0000-000000000000}"/>
+          </ac:spMkLst>
+        </pc:spChg>
+      </pc:sldChg>
       <pc:sldChg chg="modSp mod">
         <pc:chgData name="Julia Schaffner" userId="c086f559aed709e8" providerId="LiveId" clId="{9331376A-EE0E-48FA-86CB-8857D09D50F8}" dt="2025-10-09T03:29:41.594" v="8" actId="1076"/>
         <pc:sldMkLst>
@@ -13957,8 +13972,8 @@
           <a:noFill/>
         </p:spPr>
       </p:pic>
-      <mc:AlternateContent xmlns:mc="http://schemas.openxmlformats.org/markup-compatibility/2006">
-        <mc:Choice xmlns:we="http://schemas.microsoft.com/office/webextensions/webextension/2010/11" xmlns:pca="http://schemas.microsoft.com/office/powerpoint/2013/contentapp" Requires="we pca">
+      <mc:AlternateContent xmlns:mc="http://schemas.openxmlformats.org/markup-compatibility/2006" xmlns:we="http://schemas.microsoft.com/office/webextensions/webextension/2010/11" xmlns:pca="http://schemas.microsoft.com/office/powerpoint/2013/contentapp">
+        <mc:Choice Requires="we pca">
           <p:graphicFrame>
             <p:nvGraphicFramePr>
               <p:cNvPr id="2" name="Add-in" descr="Add-in content for Microsoft Power BI."/>
@@ -13984,7 +13999,7 @@
             </a:graphic>
           </p:graphicFrame>
         </mc:Choice>
-        <mc:Fallback>
+        <mc:Fallback xmlns="">
           <p:pic>
             <p:nvPicPr>
               <p:cNvPr id="2" name="Add-in" descr="Add-in content for Microsoft Power BI."/>
@@ -18187,8 +18202,8 @@
           <a:noFill/>
         </p:spPr>
       </p:pic>
-      <mc:AlternateContent xmlns:mc="http://schemas.openxmlformats.org/markup-compatibility/2006">
-        <mc:Choice xmlns:we="http://schemas.microsoft.com/office/webextensions/webextension/2010/11" xmlns:pca="http://schemas.microsoft.com/office/powerpoint/2013/contentapp" Requires="we pca">
+      <mc:AlternateContent xmlns:mc="http://schemas.openxmlformats.org/markup-compatibility/2006" xmlns:we="http://schemas.microsoft.com/office/webextensions/webextension/2010/11" xmlns:pca="http://schemas.microsoft.com/office/powerpoint/2013/contentapp">
+        <mc:Choice Requires="we pca">
           <p:graphicFrame>
             <p:nvGraphicFramePr>
               <p:cNvPr id="2" name="Add-in" descr="Add-in content for Microsoft Power BI."/>
@@ -18208,7 +18223,7 @@
             </a:graphic>
           </p:graphicFrame>
         </mc:Choice>
-        <mc:Fallback>
+        <mc:Fallback xmlns="">
           <p:pic>
             <p:nvPicPr>
               <p:cNvPr id="2" name="Add-in" descr="Add-in content for Microsoft Power BI."/>
@@ -18870,7 +18885,7 @@
         </p:nvSpPr>
         <p:spPr>
           <a:xfrm>
-            <a:off x="1261872" y="365760"/>
+            <a:off x="1249680" y="578619"/>
             <a:ext cx="9692640" cy="1325562"/>
           </a:xfrm>
           <a:prstGeom prst="rect">
@@ -18902,10 +18917,10 @@
               <a:buNone/>
             </a:pPr>
             <a:r>
-              <a:rPr lang="en-US" sz="3500"/>
+              <a:rPr lang="en-US" sz="3500" dirty="0"/>
               <a:t>Instructing users to call at 8 a.m. overwhelms system and diminishes service quality</a:t>
             </a:r>
-            <a:endParaRPr sz="4300"/>
+            <a:endParaRPr sz="4300" dirty="0"/>
           </a:p>
           <a:p>
             <a:pPr marL="0" lvl="0" indent="0" algn="l" rtl="0">
@@ -18925,7 +18940,7 @@
               <a:buFont typeface="Century Schoolbook"/>
               <a:buNone/>
             </a:pPr>
-            <a:endParaRPr/>
+            <a:endParaRPr dirty="0"/>
           </a:p>
         </p:txBody>
       </p:sp>
@@ -19440,7 +19455,7 @@
         </p:nvSpPr>
         <p:spPr>
           <a:xfrm>
-            <a:off x="485375" y="503100"/>
+            <a:off x="485375" y="1031879"/>
             <a:ext cx="10281300" cy="1325700"/>
           </a:xfrm>
           <a:prstGeom prst="rect">
@@ -19453,32 +19468,21 @@
         </p:spPr>
         <p:txBody>
           <a:bodyPr spcFirstLastPara="1" wrap="square" lIns="91425" tIns="45700" rIns="91425" bIns="45700" anchor="b" anchorCtr="0">
-            <a:normAutofit fontScale="90000"/>
+            <a:noAutofit/>
           </a:bodyPr>
           <a:lstStyle/>
           <a:p>
-            <a:pPr marL="0" lvl="0" indent="0" algn="l" rtl="0">
-              <a:lnSpc>
-                <a:spcPct val="90000"/>
-              </a:lnSpc>
-              <a:spcBef>
-                <a:spcPts val="0"/>
-              </a:spcBef>
-              <a:spcAft>
-                <a:spcPts val="0"/>
-              </a:spcAft>
-              <a:buClr>
-                <a:schemeClr val="dk1"/>
-              </a:buClr>
-              <a:buSzPct val="100000"/>
-              <a:buFont typeface="Century Schoolbook"/>
-              <a:buNone/>
-            </a:pPr>
             <a:r>
-              <a:rPr lang="en-US"/>
-              <a:t>Customers are less likely to pick up when called back during certain business hours.</a:t>
+              <a:rPr lang="en-US" sz="3200" dirty="0"/>
+              <a:t>Customers are less likely to pick up when call is answered by agent during peak business hours.</a:t>
             </a:r>
-            <a:endParaRPr/>
+            <a:br>
+              <a:rPr lang="en-US" sz="3200" dirty="0"/>
+            </a:br>
+            <a:br>
+              <a:rPr lang="en-US" sz="3200" dirty="0"/>
+            </a:br>
+            <a:endParaRPr sz="3200" dirty="0"/>
           </a:p>
         </p:txBody>
       </p:sp>
@@ -20152,8 +20156,8 @@
           <a:noFill/>
         </p:spPr>
       </p:pic>
-      <mc:AlternateContent xmlns:mc="http://schemas.openxmlformats.org/markup-compatibility/2006">
-        <mc:Choice xmlns:we="http://schemas.microsoft.com/office/webextensions/webextension/2010/11" xmlns:pca="http://schemas.microsoft.com/office/powerpoint/2013/contentapp" Requires="we pca">
+      <mc:AlternateContent xmlns:mc="http://schemas.openxmlformats.org/markup-compatibility/2006" xmlns:we="http://schemas.microsoft.com/office/webextensions/webextension/2010/11" xmlns:pca="http://schemas.microsoft.com/office/powerpoint/2013/contentapp">
+        <mc:Choice Requires="we pca">
           <p:graphicFrame>
             <p:nvGraphicFramePr>
               <p:cNvPr id="2" name="Add-in" descr="Add-in content for Microsoft Power BI."/>
@@ -20173,7 +20177,7 @@
             </a:graphic>
           </p:graphicFrame>
         </mc:Choice>
-        <mc:Fallback>
+        <mc:Fallback xmlns="">
           <p:pic>
             <p:nvPicPr>
               <p:cNvPr id="2" name="Add-in" descr="Add-in content for Microsoft Power BI."/>
@@ -20829,7 +20833,7 @@
         </p:nvSpPr>
         <p:spPr>
           <a:xfrm>
-            <a:off x="1261872" y="365760"/>
+            <a:off x="1261875" y="946557"/>
             <a:ext cx="9692640" cy="1325562"/>
           </a:xfrm>
           <a:prstGeom prst="rect">
@@ -20842,32 +20846,21 @@
         </p:spPr>
         <p:txBody>
           <a:bodyPr spcFirstLastPara="1" wrap="square" lIns="91425" tIns="45700" rIns="91425" bIns="45700" anchor="b" anchorCtr="0">
-            <a:normAutofit/>
+            <a:noAutofit/>
           </a:bodyPr>
           <a:lstStyle/>
           <a:p>
-            <a:pPr marL="0" lvl="0" indent="0" algn="l" rtl="0">
-              <a:lnSpc>
-                <a:spcPct val="90000"/>
-              </a:lnSpc>
-              <a:spcBef>
-                <a:spcPts val="0"/>
-              </a:spcBef>
-              <a:spcAft>
-                <a:spcPts val="0"/>
-              </a:spcAft>
-              <a:buClr>
-                <a:schemeClr val="dk1"/>
-              </a:buClr>
-              <a:buSzPts val="4400"/>
-              <a:buFont typeface="Century Schoolbook"/>
-              <a:buNone/>
-            </a:pPr>
             <a:r>
-              <a:rPr lang="en-US"/>
-              <a:t>Encourage agents to schedule callbacks later in the workday.</a:t>
+              <a:rPr lang="en-US" sz="3200" dirty="0"/>
+              <a:t>Focus agent efforts on early morning and early afternoon where customers are less responsive.</a:t>
             </a:r>
-            <a:endParaRPr/>
+            <a:br>
+              <a:rPr lang="en-US" sz="3200" dirty="0"/>
+            </a:br>
+            <a:br>
+              <a:rPr lang="en-US" sz="3200" dirty="0"/>
+            </a:br>
+            <a:endParaRPr sz="3200" dirty="0"/>
           </a:p>
         </p:txBody>
       </p:sp>
@@ -20900,24 +20893,16 @@
           </a:bodyPr>
           <a:lstStyle/>
           <a:p>
-            <a:pPr marL="457200" lvl="0" indent="-320040" algn="l" rtl="0">
-              <a:lnSpc>
-                <a:spcPct val="95000"/>
-              </a:lnSpc>
-              <a:spcBef>
-                <a:spcPts val="0"/>
-              </a:spcBef>
-              <a:spcAft>
-                <a:spcPts val="0"/>
-              </a:spcAft>
-              <a:buSzPts val="1440"/>
+            <a:pPr lvl="0">
+              <a:spcBef>
+                <a:spcPts val="0"/>
+              </a:spcBef>
               <a:buChar char="●"/>
             </a:pPr>
             <a:r>
-              <a:rPr lang="en-US"/>
-              <a:t>Schedule callbacks toward the end of the workday when customers are less busy and more likely to answer. </a:t>
+              <a:rPr lang="en-US" dirty="0"/>
+              <a:t>Schedule agent efforts toward lower response periods like 9AM - 10AM and 1PM - 2PM where call attempts are high but answer rates are low.</a:t>
             </a:r>
-            <a:endParaRPr/>
           </a:p>
         </p:txBody>
       </p:sp>
@@ -21011,27 +20996,19 @@
               </a:spcAft>
               <a:buNone/>
             </a:pPr>
-            <a:endParaRPr/>
+            <a:endParaRPr dirty="0"/>
           </a:p>
           <a:p>
-            <a:pPr marL="457200" lvl="0" indent="-320040" algn="l" rtl="0">
-              <a:lnSpc>
-                <a:spcPct val="95000"/>
-              </a:lnSpc>
-              <a:spcBef>
-                <a:spcPts val="0"/>
-              </a:spcBef>
-              <a:spcAft>
-                <a:spcPts val="0"/>
-              </a:spcAft>
-              <a:buSzPts val="1440"/>
+            <a:pPr lvl="0">
+              <a:spcBef>
+                <a:spcPts val="0"/>
+              </a:spcBef>
               <a:buChar char="●"/>
             </a:pPr>
             <a:r>
-              <a:rPr lang="en-US"/>
-              <a:t>Encourage staff to dedicate a specific time (e.g. 3PM) for focused callback efforts, reinforced through training. </a:t>
+              <a:rPr lang="en-US" dirty="0"/>
+              <a:t>Allow for leaner coverage in the late morning and late afternoon when pick-up likelihood is naturally higher. </a:t>
             </a:r>
-            <a:endParaRPr/>
           </a:p>
         </p:txBody>
       </p:sp>
@@ -21064,33 +21041,19 @@
           </a:bodyPr>
           <a:lstStyle/>
           <a:p>
-            <a:pPr marL="914400" lvl="1" indent="-342900" algn="l" rtl="0">
+            <a:pPr lvl="1">
               <a:lnSpc>
                 <a:spcPct val="95000"/>
               </a:lnSpc>
               <a:spcBef>
                 <a:spcPts val="0"/>
               </a:spcBef>
-              <a:spcAft>
-                <a:spcPts val="0"/>
-              </a:spcAft>
-              <a:buSzPts val="1800"/>
               <a:buChar char="○"/>
             </a:pPr>
             <a:r>
-              <a:rPr lang="en-US"/>
-              <a:t>3PM is optimal because it shows the lowest “No Answer from Customer” rate while also giving adequate time for the agents to handle the calls before 5PM</a:t>
+              <a:rPr lang="en-US" dirty="0"/>
+              <a:t>Addressing the critical windows where there are high rates of customers not answering helps ensure that calls are answered more quickly. </a:t>
             </a:r>
-            <a:r>
-              <a:rPr lang="en-US" sz="1100">
-                <a:latin typeface="Arial"/>
-                <a:ea typeface="Arial"/>
-                <a:cs typeface="Arial"/>
-                <a:sym typeface="Arial"/>
-              </a:rPr>
-              <a:t>.</a:t>
-            </a:r>
-            <a:endParaRPr/>
           </a:p>
         </p:txBody>
       </p:sp>
